--- a/Sentiment_Analysis.pptx
+++ b/Sentiment_Analysis.pptx
@@ -2091,11 +2091,11 @@
               </a:spcBef>
             </a:pPr>
             <a:r>
-              <a:rPr lang="en-IN" sz="3200" dirty="0">
+              <a:rPr lang="en-US" sz="3200" dirty="0">
                 <a:latin typeface="Trebuchet MS"/>
                 <a:cs typeface="Trebuchet MS"/>
               </a:rPr>
-              <a:t>Tejeshwar M</a:t>
+              <a:t>santhosh s</a:t>
             </a:r>
             <a:endParaRPr sz="3200" dirty="0">
               <a:latin typeface="Trebuchet MS"/>
@@ -2193,7 +2193,7 @@
           <a:p>
             <a:r>
               <a:rPr lang="en-IN" dirty="0"/>
-              <a:t>813821104109</a:t>
+              <a:t>813821104087</a:t>
             </a:r>
           </a:p>
         </p:txBody>
@@ -2212,8 +2212,8 @@
         </p:nvSpPr>
         <p:spPr>
           <a:xfrm>
-            <a:off x="6519256" y="3493532"/>
-            <a:ext cx="2531110" cy="369332"/>
+            <a:off x="6465958" y="3503014"/>
+            <a:ext cx="3211441" cy="646331"/>
           </a:xfrm>
           <a:prstGeom prst="rect">
             <a:avLst/>
@@ -2227,9 +2227,10 @@
           <a:lstStyle/>
           <a:p>
             <a:r>
-              <a:rPr lang="en-IN" dirty="0"/>
-              <a:t>CSE B</a:t>
-            </a:r>
+              <a:rPr lang="en-US" dirty="0"/>
+              <a:t>COMPUTER SCIENCE AND ENGINEERING</a:t>
+            </a:r>
+            <a:endParaRPr lang="en-IN" dirty="0"/>
           </a:p>
         </p:txBody>
       </p:sp>
